--- a/300lv notes /cyb303/CYB 303 lect 2.pptx
+++ b/300lv notes /cyb303/CYB 303 lect 2.pptx
@@ -1,28 +1,28 @@
 
 <file path=ppt/presentation.xml><?xml version="1.0" encoding="utf-8"?>
-<p:presentation xmlns:a="http://schemas.openxmlformats.org/drawingml/2006/main" xmlns:r="http://schemas.openxmlformats.org/officeDocument/2006/relationships" xmlns:p="http://schemas.openxmlformats.org/presentationml/2006/main" saveSubsetFonts="1" autoCompressPictures="0">
+<p:presentation xmlns:a="http://schemas.openxmlformats.org/drawingml/2006/main" xmlns:r="http://schemas.openxmlformats.org/officeDocument/2006/relationships" xmlns:p="http://schemas.openxmlformats.org/presentationml/2006/main" autoCompressPictures="0">
   <p:sldMasterIdLst>
-    <p:sldMasterId id="2147483660" r:id="rId1"/>
+    <p:sldMasterId id="2147483648" r:id="rId1"/>
   </p:sldMasterIdLst>
   <p:notesMasterIdLst>
-    <p:notesMasterId r:id="rId17"/>
+    <p:notesMasterId r:id="rId18"/>
   </p:notesMasterIdLst>
   <p:sldIdLst>
-    <p:sldId id="256" r:id="rId2"/>
-    <p:sldId id="288" r:id="rId3"/>
-    <p:sldId id="325" r:id="rId4"/>
-    <p:sldId id="328" r:id="rId5"/>
-    <p:sldId id="326" r:id="rId6"/>
-    <p:sldId id="327" r:id="rId7"/>
-    <p:sldId id="317" r:id="rId8"/>
-    <p:sldId id="318" r:id="rId9"/>
-    <p:sldId id="319" r:id="rId10"/>
-    <p:sldId id="320" r:id="rId11"/>
-    <p:sldId id="321" r:id="rId12"/>
-    <p:sldId id="322" r:id="rId13"/>
-    <p:sldId id="323" r:id="rId14"/>
-    <p:sldId id="324" r:id="rId15"/>
-    <p:sldId id="276" r:id="rId16"/>
+    <p:sldId id="256" r:id="rId3"/>
+    <p:sldId id="288" r:id="rId4"/>
+    <p:sldId id="325" r:id="rId5"/>
+    <p:sldId id="328" r:id="rId6"/>
+    <p:sldId id="326" r:id="rId7"/>
+    <p:sldId id="327" r:id="rId8"/>
+    <p:sldId id="317" r:id="rId9"/>
+    <p:sldId id="318" r:id="rId10"/>
+    <p:sldId id="319" r:id="rId11"/>
+    <p:sldId id="320" r:id="rId12"/>
+    <p:sldId id="321" r:id="rId13"/>
+    <p:sldId id="322" r:id="rId14"/>
+    <p:sldId id="323" r:id="rId15"/>
+    <p:sldId id="324" r:id="rId16"/>
+    <p:sldId id="276" r:id="rId17"/>
   </p:sldIdLst>
   <p:sldSz cx="12192000" cy="6858000"/>
   <p:notesSz cx="6858000" cy="9144000"/>
@@ -121,11 +121,6 @@
       </a:defRPr>
     </a:lvl9pPr>
   </p:defaultTextStyle>
-  <p:extLst>
-    <p:ext uri="{EFAFB233-063F-42B5-8137-9DF3F51BA10A}">
-      <p15:sldGuideLst xmlns:p15="http://schemas.microsoft.com/office/powerpoint/2012/main"/>
-    </p:ext>
-  </p:extLst>
 </p:presentation>
 </file>
 
@@ -211,7 +206,6 @@
           <a:p>
             <a:fld id="{18761F96-866F-8A42-B7B1-2EABD10AC7FD}" type="datetimeFigureOut">
               <a:rPr lang="en-US" smtClean="0"/>
-              <a:t>11/28/22</a:t>
             </a:fld>
             <a:endParaRPr lang="en-US"/>
           </a:p>
@@ -278,6 +272,7 @@
               <a:rPr lang="en-GB"/>
               <a:t>Click to edit Master text styles</a:t>
             </a:r>
+            <a:endParaRPr lang="en-GB"/>
           </a:p>
           <a:p>
             <a:pPr lvl="1"/>
@@ -285,6 +280,7 @@
               <a:rPr lang="en-GB"/>
               <a:t>Second level</a:t>
             </a:r>
+            <a:endParaRPr lang="en-GB"/>
           </a:p>
           <a:p>
             <a:pPr lvl="2"/>
@@ -292,6 +288,7 @@
               <a:rPr lang="en-GB"/>
               <a:t>Third level</a:t>
             </a:r>
+            <a:endParaRPr lang="en-GB"/>
           </a:p>
           <a:p>
             <a:pPr lvl="3"/>
@@ -299,6 +296,7 @@
               <a:rPr lang="en-GB"/>
               <a:t>Fourth level</a:t>
             </a:r>
+            <a:endParaRPr lang="en-GB"/>
           </a:p>
           <a:p>
             <a:pPr lvl="4"/>
@@ -370,18 +368,12 @@
           <a:p>
             <a:fld id="{68480D32-7DE8-8A47-90B4-9B7A9A71AD30}" type="slidenum">
               <a:rPr lang="en-US" smtClean="0"/>
-              <a:t>‹#›</a:t>
             </a:fld>
             <a:endParaRPr lang="en-US"/>
           </a:p>
         </p:txBody>
       </p:sp>
     </p:spTree>
-    <p:extLst>
-      <p:ext uri="{BB962C8B-B14F-4D97-AF65-F5344CB8AC3E}">
-        <p14:creationId xmlns:p14="http://schemas.microsoft.com/office/powerpoint/2010/main" val="2641880370"/>
-      </p:ext>
-    </p:extLst>
   </p:cSld>
   <p:clrMap bg1="lt1" tx1="dk1" bg2="lt2" tx2="dk2" accent1="accent1" accent2="accent2" accent3="accent3" accent4="accent4" accent5="accent5" accent6="accent6" hlink="hlink" folHlink="folHlink"/>
   <p:notesStyle>
@@ -650,7 +642,6 @@
           <a:p>
             <a:fld id="{5CB79EFD-2A97-AB41-A951-8CBBBA95BF44}" type="datetimeFigureOut">
               <a:rPr lang="en-US" smtClean="0"/>
-              <a:t>11/28/22</a:t>
             </a:fld>
             <a:endParaRPr lang="en-US"/>
           </a:p>
@@ -692,18 +683,12 @@
           <a:p>
             <a:fld id="{5501FBBD-9496-D146-8264-58427E8AC81F}" type="slidenum">
               <a:rPr lang="en-US" smtClean="0"/>
-              <a:t>‹#›</a:t>
             </a:fld>
             <a:endParaRPr lang="en-US"/>
           </a:p>
         </p:txBody>
       </p:sp>
     </p:spTree>
-    <p:extLst>
-      <p:ext uri="{BB962C8B-B14F-4D97-AF65-F5344CB8AC3E}">
-        <p14:creationId xmlns:p14="http://schemas.microsoft.com/office/powerpoint/2010/main" val="933369991"/>
-      </p:ext>
-    </p:extLst>
   </p:cSld>
   <p:clrMapOvr>
     <a:masterClrMapping/>
@@ -942,6 +927,7 @@
               <a:rPr lang="en-GB"/>
               <a:t>Click to edit Master text styles</a:t>
             </a:r>
+            <a:endParaRPr lang="en-GB"/>
           </a:p>
         </p:txBody>
       </p:sp>
@@ -962,7 +948,6 @@
           <a:p>
             <a:fld id="{5CB79EFD-2A97-AB41-A951-8CBBBA95BF44}" type="datetimeFigureOut">
               <a:rPr lang="en-US" smtClean="0"/>
-              <a:t>11/28/22</a:t>
             </a:fld>
             <a:endParaRPr lang="en-US"/>
           </a:p>
@@ -1004,18 +989,12 @@
           <a:p>
             <a:fld id="{5501FBBD-9496-D146-8264-58427E8AC81F}" type="slidenum">
               <a:rPr lang="en-US" smtClean="0"/>
-              <a:t>‹#›</a:t>
             </a:fld>
             <a:endParaRPr lang="en-US"/>
           </a:p>
         </p:txBody>
       </p:sp>
     </p:spTree>
-    <p:extLst>
-      <p:ext uri="{BB962C8B-B14F-4D97-AF65-F5344CB8AC3E}">
-        <p14:creationId xmlns:p14="http://schemas.microsoft.com/office/powerpoint/2010/main" val="3769219465"/>
-      </p:ext>
-    </p:extLst>
   </p:cSld>
   <p:clrMapOvr>
     <a:masterClrMapping/>
@@ -1164,6 +1143,7 @@
               <a:rPr lang="en-GB"/>
               <a:t>Click to edit Master text styles</a:t>
             </a:r>
+            <a:endParaRPr lang="en-GB"/>
           </a:p>
         </p:txBody>
       </p:sp>
@@ -1184,7 +1164,6 @@
           <a:p>
             <a:fld id="{5CB79EFD-2A97-AB41-A951-8CBBBA95BF44}" type="datetimeFigureOut">
               <a:rPr lang="en-US" smtClean="0"/>
-              <a:t>11/28/22</a:t>
             </a:fld>
             <a:endParaRPr lang="en-US"/>
           </a:p>
@@ -1226,18 +1205,12 @@
           <a:p>
             <a:fld id="{5501FBBD-9496-D146-8264-58427E8AC81F}" type="slidenum">
               <a:rPr lang="en-US" smtClean="0"/>
-              <a:t>‹#›</a:t>
             </a:fld>
             <a:endParaRPr lang="en-US"/>
           </a:p>
         </p:txBody>
       </p:sp>
     </p:spTree>
-    <p:extLst>
-      <p:ext uri="{BB962C8B-B14F-4D97-AF65-F5344CB8AC3E}">
-        <p14:creationId xmlns:p14="http://schemas.microsoft.com/office/powerpoint/2010/main" val="615448386"/>
-      </p:ext>
-    </p:extLst>
   </p:cSld>
   <p:clrMapOvr>
     <a:masterClrMapping/>
@@ -1388,6 +1361,7 @@
               <a:rPr lang="en-GB"/>
               <a:t>Click to edit Master text styles</a:t>
             </a:r>
+            <a:endParaRPr lang="en-GB"/>
           </a:p>
         </p:txBody>
       </p:sp>
@@ -1455,6 +1429,7 @@
               <a:rPr lang="en-GB"/>
               <a:t>Click to edit Master text styles</a:t>
             </a:r>
+            <a:endParaRPr lang="en-GB"/>
           </a:p>
         </p:txBody>
       </p:sp>
@@ -1475,7 +1450,6 @@
           <a:p>
             <a:fld id="{5CB79EFD-2A97-AB41-A951-8CBBBA95BF44}" type="datetimeFigureOut">
               <a:rPr lang="en-US" smtClean="0"/>
-              <a:t>11/28/22</a:t>
             </a:fld>
             <a:endParaRPr lang="en-US"/>
           </a:p>
@@ -1517,7 +1491,6 @@
           <a:p>
             <a:fld id="{5501FBBD-9496-D146-8264-58427E8AC81F}" type="slidenum">
               <a:rPr lang="en-US" smtClean="0"/>
-              <a:t>‹#›</a:t>
             </a:fld>
             <a:endParaRPr lang="en-US"/>
           </a:p>
@@ -1636,6 +1609,12 @@
               </a:rPr>
               <a:t>“</a:t>
             </a:r>
+            <a:endParaRPr lang="en-US" sz="8000" dirty="0">
+              <a:solidFill>
+                <a:schemeClr val="tx1"/>
+              </a:solidFill>
+              <a:effectLst/>
+            </a:endParaRPr>
           </a:p>
         </p:txBody>
       </p:sp>
@@ -1752,15 +1731,16 @@
               </a:rPr>
               <a:t>”</a:t>
             </a:r>
+            <a:endParaRPr lang="en-US" sz="8000" dirty="0">
+              <a:solidFill>
+                <a:schemeClr val="tx1"/>
+              </a:solidFill>
+              <a:effectLst/>
+            </a:endParaRPr>
           </a:p>
         </p:txBody>
       </p:sp>
     </p:spTree>
-    <p:extLst>
-      <p:ext uri="{BB962C8B-B14F-4D97-AF65-F5344CB8AC3E}">
-        <p14:creationId xmlns:p14="http://schemas.microsoft.com/office/powerpoint/2010/main" val="3676199461"/>
-      </p:ext>
-    </p:extLst>
   </p:cSld>
   <p:clrMapOvr>
     <a:masterClrMapping/>
@@ -1909,6 +1889,7 @@
               <a:rPr lang="en-GB"/>
               <a:t>Click to edit Master text styles</a:t>
             </a:r>
+            <a:endParaRPr lang="en-GB"/>
           </a:p>
         </p:txBody>
       </p:sp>
@@ -1929,7 +1910,6 @@
           <a:p>
             <a:fld id="{5CB79EFD-2A97-AB41-A951-8CBBBA95BF44}" type="datetimeFigureOut">
               <a:rPr lang="en-US" smtClean="0"/>
-              <a:t>11/28/22</a:t>
             </a:fld>
             <a:endParaRPr lang="en-US"/>
           </a:p>
@@ -1971,18 +1951,12 @@
           <a:p>
             <a:fld id="{5501FBBD-9496-D146-8264-58427E8AC81F}" type="slidenum">
               <a:rPr lang="en-US" smtClean="0"/>
-              <a:t>‹#›</a:t>
             </a:fld>
             <a:endParaRPr lang="en-US"/>
           </a:p>
         </p:txBody>
       </p:sp>
     </p:spTree>
-    <p:extLst>
-      <p:ext uri="{BB962C8B-B14F-4D97-AF65-F5344CB8AC3E}">
-        <p14:creationId xmlns:p14="http://schemas.microsoft.com/office/powerpoint/2010/main" val="2827388659"/>
-      </p:ext>
-    </p:extLst>
   </p:cSld>
   <p:clrMapOvr>
     <a:masterClrMapping/>
@@ -2136,6 +2110,7 @@
               <a:rPr lang="en-GB"/>
               <a:t>Click to edit Master text styles</a:t>
             </a:r>
+            <a:endParaRPr lang="en-GB"/>
           </a:p>
         </p:txBody>
       </p:sp>
@@ -2203,6 +2178,7 @@
               <a:rPr lang="en-GB"/>
               <a:t>Click to edit Master text styles</a:t>
             </a:r>
+            <a:endParaRPr lang="en-GB"/>
           </a:p>
         </p:txBody>
       </p:sp>
@@ -2277,6 +2253,7 @@
               <a:rPr lang="en-GB"/>
               <a:t>Click to edit Master text styles</a:t>
             </a:r>
+            <a:endParaRPr lang="en-GB"/>
           </a:p>
         </p:txBody>
       </p:sp>
@@ -2344,6 +2321,7 @@
               <a:rPr lang="en-GB"/>
               <a:t>Click to edit Master text styles</a:t>
             </a:r>
+            <a:endParaRPr lang="en-GB"/>
           </a:p>
         </p:txBody>
       </p:sp>
@@ -2418,6 +2396,7 @@
               <a:rPr lang="en-GB"/>
               <a:t>Click to edit Master text styles</a:t>
             </a:r>
+            <a:endParaRPr lang="en-GB"/>
           </a:p>
         </p:txBody>
       </p:sp>
@@ -2485,6 +2464,7 @@
               <a:rPr lang="en-GB"/>
               <a:t>Click to edit Master text styles</a:t>
             </a:r>
+            <a:endParaRPr lang="en-GB"/>
           </a:p>
         </p:txBody>
       </p:sp>
@@ -2505,7 +2485,6 @@
           <a:p>
             <a:fld id="{5CB79EFD-2A97-AB41-A951-8CBBBA95BF44}" type="datetimeFigureOut">
               <a:rPr lang="en-US" smtClean="0"/>
-              <a:t>11/28/22</a:t>
             </a:fld>
             <a:endParaRPr lang="en-US"/>
           </a:p>
@@ -2547,18 +2526,12 @@
           <a:p>
             <a:fld id="{5501FBBD-9496-D146-8264-58427E8AC81F}" type="slidenum">
               <a:rPr lang="en-US" smtClean="0"/>
-              <a:t>‹#›</a:t>
             </a:fld>
             <a:endParaRPr lang="en-US"/>
           </a:p>
         </p:txBody>
       </p:sp>
     </p:spTree>
-    <p:extLst>
-      <p:ext uri="{BB962C8B-B14F-4D97-AF65-F5344CB8AC3E}">
-        <p14:creationId xmlns:p14="http://schemas.microsoft.com/office/powerpoint/2010/main" val="3502593467"/>
-      </p:ext>
-    </p:extLst>
   </p:cSld>
   <p:clrMapOvr>
     <a:masterClrMapping/>
@@ -2712,6 +2685,7 @@
               <a:rPr lang="en-GB"/>
               <a:t>Click to edit Master text styles</a:t>
             </a:r>
+            <a:endParaRPr lang="en-GB"/>
           </a:p>
         </p:txBody>
       </p:sp>
@@ -2871,6 +2845,7 @@
               <a:rPr lang="en-GB"/>
               <a:t>Click to edit Master text styles</a:t>
             </a:r>
+            <a:endParaRPr lang="en-GB"/>
           </a:p>
         </p:txBody>
       </p:sp>
@@ -2945,6 +2920,7 @@
               <a:rPr lang="en-GB"/>
               <a:t>Click to edit Master text styles</a:t>
             </a:r>
+            <a:endParaRPr lang="en-GB"/>
           </a:p>
         </p:txBody>
       </p:sp>
@@ -3104,6 +3080,7 @@
               <a:rPr lang="en-GB"/>
               <a:t>Click to edit Master text styles</a:t>
             </a:r>
+            <a:endParaRPr lang="en-GB"/>
           </a:p>
         </p:txBody>
       </p:sp>
@@ -3178,6 +3155,7 @@
               <a:rPr lang="en-GB"/>
               <a:t>Click to edit Master text styles</a:t>
             </a:r>
+            <a:endParaRPr lang="en-GB"/>
           </a:p>
         </p:txBody>
       </p:sp>
@@ -3337,6 +3315,7 @@
               <a:rPr lang="en-GB"/>
               <a:t>Click to edit Master text styles</a:t>
             </a:r>
+            <a:endParaRPr lang="en-GB"/>
           </a:p>
         </p:txBody>
       </p:sp>
@@ -3357,7 +3336,6 @@
           <a:p>
             <a:fld id="{5CB79EFD-2A97-AB41-A951-8CBBBA95BF44}" type="datetimeFigureOut">
               <a:rPr lang="en-US" smtClean="0"/>
-              <a:t>11/28/22</a:t>
             </a:fld>
             <a:endParaRPr lang="en-US"/>
           </a:p>
@@ -3399,18 +3377,12 @@
           <a:p>
             <a:fld id="{5501FBBD-9496-D146-8264-58427E8AC81F}" type="slidenum">
               <a:rPr lang="en-US" smtClean="0"/>
-              <a:t>‹#›</a:t>
             </a:fld>
             <a:endParaRPr lang="en-US"/>
           </a:p>
         </p:txBody>
       </p:sp>
     </p:spTree>
-    <p:extLst>
-      <p:ext uri="{BB962C8B-B14F-4D97-AF65-F5344CB8AC3E}">
-        <p14:creationId xmlns:p14="http://schemas.microsoft.com/office/powerpoint/2010/main" val="2129449890"/>
-      </p:ext>
-    </p:extLst>
   </p:cSld>
   <p:clrMapOvr>
     <a:masterClrMapping/>
@@ -3513,6 +3485,7 @@
               <a:rPr lang="en-GB"/>
               <a:t>Click to edit Master text styles</a:t>
             </a:r>
+            <a:endParaRPr lang="en-GB"/>
           </a:p>
           <a:p>
             <a:pPr lvl="1"/>
@@ -3520,6 +3493,7 @@
               <a:rPr lang="en-GB"/>
               <a:t>Second level</a:t>
             </a:r>
+            <a:endParaRPr lang="en-GB"/>
           </a:p>
           <a:p>
             <a:pPr lvl="2"/>
@@ -3527,6 +3501,7 @@
               <a:rPr lang="en-GB"/>
               <a:t>Third level</a:t>
             </a:r>
+            <a:endParaRPr lang="en-GB"/>
           </a:p>
           <a:p>
             <a:pPr lvl="3"/>
@@ -3534,6 +3509,7 @@
               <a:rPr lang="en-GB"/>
               <a:t>Fourth level</a:t>
             </a:r>
+            <a:endParaRPr lang="en-GB"/>
           </a:p>
           <a:p>
             <a:pPr lvl="4"/>
@@ -3562,7 +3538,6 @@
           <a:p>
             <a:fld id="{5CB79EFD-2A97-AB41-A951-8CBBBA95BF44}" type="datetimeFigureOut">
               <a:rPr lang="en-US" smtClean="0"/>
-              <a:t>11/28/22</a:t>
             </a:fld>
             <a:endParaRPr lang="en-US"/>
           </a:p>
@@ -3604,18 +3579,12 @@
           <a:p>
             <a:fld id="{5501FBBD-9496-D146-8264-58427E8AC81F}" type="slidenum">
               <a:rPr lang="en-US" smtClean="0"/>
-              <a:t>‹#›</a:t>
             </a:fld>
             <a:endParaRPr lang="en-US"/>
           </a:p>
         </p:txBody>
       </p:sp>
     </p:spTree>
-    <p:extLst>
-      <p:ext uri="{BB962C8B-B14F-4D97-AF65-F5344CB8AC3E}">
-        <p14:creationId xmlns:p14="http://schemas.microsoft.com/office/powerpoint/2010/main" val="1319116522"/>
-      </p:ext>
-    </p:extLst>
   </p:cSld>
   <p:clrMapOvr>
     <a:masterClrMapping/>
@@ -3727,6 +3696,7 @@
               <a:rPr lang="en-GB"/>
               <a:t>Click to edit Master text styles</a:t>
             </a:r>
+            <a:endParaRPr lang="en-GB"/>
           </a:p>
           <a:p>
             <a:pPr lvl="1"/>
@@ -3734,6 +3704,7 @@
               <a:rPr lang="en-GB"/>
               <a:t>Second level</a:t>
             </a:r>
+            <a:endParaRPr lang="en-GB"/>
           </a:p>
           <a:p>
             <a:pPr lvl="2"/>
@@ -3741,6 +3712,7 @@
               <a:rPr lang="en-GB"/>
               <a:t>Third level</a:t>
             </a:r>
+            <a:endParaRPr lang="en-GB"/>
           </a:p>
           <a:p>
             <a:pPr lvl="3"/>
@@ -3748,6 +3720,7 @@
               <a:rPr lang="en-GB"/>
               <a:t>Fourth level</a:t>
             </a:r>
+            <a:endParaRPr lang="en-GB"/>
           </a:p>
           <a:p>
             <a:pPr lvl="4"/>
@@ -3776,7 +3749,6 @@
           <a:p>
             <a:fld id="{5CB79EFD-2A97-AB41-A951-8CBBBA95BF44}" type="datetimeFigureOut">
               <a:rPr lang="en-US" smtClean="0"/>
-              <a:t>11/28/22</a:t>
             </a:fld>
             <a:endParaRPr lang="en-US"/>
           </a:p>
@@ -3818,18 +3790,12 @@
           <a:p>
             <a:fld id="{5501FBBD-9496-D146-8264-58427E8AC81F}" type="slidenum">
               <a:rPr lang="en-US" smtClean="0"/>
-              <a:t>‹#›</a:t>
             </a:fld>
             <a:endParaRPr lang="en-US"/>
           </a:p>
         </p:txBody>
       </p:sp>
     </p:spTree>
-    <p:extLst>
-      <p:ext uri="{BB962C8B-B14F-4D97-AF65-F5344CB8AC3E}">
-        <p14:creationId xmlns:p14="http://schemas.microsoft.com/office/powerpoint/2010/main" val="2849859291"/>
-      </p:ext>
-    </p:extLst>
   </p:cSld>
   <p:clrMapOvr>
     <a:masterClrMapping/>
@@ -3932,6 +3898,7 @@
               <a:rPr lang="en-GB"/>
               <a:t>Click to edit Master text styles</a:t>
             </a:r>
+            <a:endParaRPr lang="en-GB"/>
           </a:p>
           <a:p>
             <a:pPr lvl="1"/>
@@ -3939,6 +3906,7 @@
               <a:rPr lang="en-GB"/>
               <a:t>Second level</a:t>
             </a:r>
+            <a:endParaRPr lang="en-GB"/>
           </a:p>
           <a:p>
             <a:pPr lvl="2"/>
@@ -3946,6 +3914,7 @@
               <a:rPr lang="en-GB"/>
               <a:t>Third level</a:t>
             </a:r>
+            <a:endParaRPr lang="en-GB"/>
           </a:p>
           <a:p>
             <a:pPr lvl="3"/>
@@ -3953,6 +3922,7 @@
               <a:rPr lang="en-GB"/>
               <a:t>Fourth level</a:t>
             </a:r>
+            <a:endParaRPr lang="en-GB"/>
           </a:p>
           <a:p>
             <a:pPr lvl="4"/>
@@ -3981,7 +3951,6 @@
           <a:p>
             <a:fld id="{5CB79EFD-2A97-AB41-A951-8CBBBA95BF44}" type="datetimeFigureOut">
               <a:rPr lang="en-US" smtClean="0"/>
-              <a:t>11/28/22</a:t>
             </a:fld>
             <a:endParaRPr lang="en-US"/>
           </a:p>
@@ -4023,18 +3992,12 @@
           <a:p>
             <a:fld id="{5501FBBD-9496-D146-8264-58427E8AC81F}" type="slidenum">
               <a:rPr lang="en-US" smtClean="0"/>
-              <a:t>‹#›</a:t>
             </a:fld>
             <a:endParaRPr lang="en-US"/>
           </a:p>
         </p:txBody>
       </p:sp>
     </p:spTree>
-    <p:extLst>
-      <p:ext uri="{BB962C8B-B14F-4D97-AF65-F5344CB8AC3E}">
-        <p14:creationId xmlns:p14="http://schemas.microsoft.com/office/powerpoint/2010/main" val="1049918408"/>
-      </p:ext>
-    </p:extLst>
   </p:cSld>
   <p:clrMapOvr>
     <a:masterClrMapping/>
@@ -4241,6 +4204,7 @@
               <a:rPr lang="en-GB"/>
               <a:t>Click to edit Master text styles</a:t>
             </a:r>
+            <a:endParaRPr lang="en-GB"/>
           </a:p>
         </p:txBody>
       </p:sp>
@@ -4261,7 +4225,6 @@
           <a:p>
             <a:fld id="{5CB79EFD-2A97-AB41-A951-8CBBBA95BF44}" type="datetimeFigureOut">
               <a:rPr lang="en-US" smtClean="0"/>
-              <a:t>11/28/22</a:t>
             </a:fld>
             <a:endParaRPr lang="en-US"/>
           </a:p>
@@ -4303,18 +4266,12 @@
           <a:p>
             <a:fld id="{5501FBBD-9496-D146-8264-58427E8AC81F}" type="slidenum">
               <a:rPr lang="en-US" smtClean="0"/>
-              <a:t>‹#›</a:t>
             </a:fld>
             <a:endParaRPr lang="en-US"/>
           </a:p>
         </p:txBody>
       </p:sp>
     </p:spTree>
-    <p:extLst>
-      <p:ext uri="{BB962C8B-B14F-4D97-AF65-F5344CB8AC3E}">
-        <p14:creationId xmlns:p14="http://schemas.microsoft.com/office/powerpoint/2010/main" val="1670533083"/>
-      </p:ext>
-    </p:extLst>
   </p:cSld>
   <p:clrMapOvr>
     <a:masterClrMapping/>
@@ -4422,6 +4379,7 @@
               <a:rPr lang="en-GB"/>
               <a:t>Click to edit Master text styles</a:t>
             </a:r>
+            <a:endParaRPr lang="en-GB"/>
           </a:p>
           <a:p>
             <a:pPr lvl="1"/>
@@ -4429,6 +4387,7 @@
               <a:rPr lang="en-GB"/>
               <a:t>Second level</a:t>
             </a:r>
+            <a:endParaRPr lang="en-GB"/>
           </a:p>
           <a:p>
             <a:pPr lvl="2"/>
@@ -4436,6 +4395,7 @@
               <a:rPr lang="en-GB"/>
               <a:t>Third level</a:t>
             </a:r>
+            <a:endParaRPr lang="en-GB"/>
           </a:p>
           <a:p>
             <a:pPr lvl="3"/>
@@ -4443,6 +4403,7 @@
               <a:rPr lang="en-GB"/>
               <a:t>Fourth level</a:t>
             </a:r>
+            <a:endParaRPr lang="en-GB"/>
           </a:p>
           <a:p>
             <a:pPr lvl="4"/>
@@ -4479,6 +4440,7 @@
               <a:rPr lang="en-GB"/>
               <a:t>Click to edit Master text styles</a:t>
             </a:r>
+            <a:endParaRPr lang="en-GB"/>
           </a:p>
           <a:p>
             <a:pPr lvl="1"/>
@@ -4486,6 +4448,7 @@
               <a:rPr lang="en-GB"/>
               <a:t>Second level</a:t>
             </a:r>
+            <a:endParaRPr lang="en-GB"/>
           </a:p>
           <a:p>
             <a:pPr lvl="2"/>
@@ -4493,6 +4456,7 @@
               <a:rPr lang="en-GB"/>
               <a:t>Third level</a:t>
             </a:r>
+            <a:endParaRPr lang="en-GB"/>
           </a:p>
           <a:p>
             <a:pPr lvl="3"/>
@@ -4500,6 +4464,7 @@
               <a:rPr lang="en-GB"/>
               <a:t>Fourth level</a:t>
             </a:r>
+            <a:endParaRPr lang="en-GB"/>
           </a:p>
           <a:p>
             <a:pPr lvl="4"/>
@@ -4528,7 +4493,6 @@
           <a:p>
             <a:fld id="{5CB79EFD-2A97-AB41-A951-8CBBBA95BF44}" type="datetimeFigureOut">
               <a:rPr lang="en-US" smtClean="0"/>
-              <a:t>11/28/22</a:t>
             </a:fld>
             <a:endParaRPr lang="en-US"/>
           </a:p>
@@ -4570,18 +4534,12 @@
           <a:p>
             <a:fld id="{5501FBBD-9496-D146-8264-58427E8AC81F}" type="slidenum">
               <a:rPr lang="en-US" smtClean="0"/>
-              <a:t>‹#›</a:t>
             </a:fld>
             <a:endParaRPr lang="en-US"/>
           </a:p>
         </p:txBody>
       </p:sp>
     </p:spTree>
-    <p:extLst>
-      <p:ext uri="{BB962C8B-B14F-4D97-AF65-F5344CB8AC3E}">
-        <p14:creationId xmlns:p14="http://schemas.microsoft.com/office/powerpoint/2010/main" val="1056320390"/>
-      </p:ext>
-    </p:extLst>
   </p:cSld>
   <p:clrMapOvr>
     <a:masterClrMapping/>
@@ -4735,6 +4693,7 @@
               <a:rPr lang="en-GB"/>
               <a:t>Click to edit Master text styles</a:t>
             </a:r>
+            <a:endParaRPr lang="en-GB"/>
           </a:p>
         </p:txBody>
       </p:sp>
@@ -4763,6 +4722,7 @@
               <a:rPr lang="en-GB"/>
               <a:t>Click to edit Master text styles</a:t>
             </a:r>
+            <a:endParaRPr lang="en-GB"/>
           </a:p>
           <a:p>
             <a:pPr lvl="1"/>
@@ -4770,6 +4730,7 @@
               <a:rPr lang="en-GB"/>
               <a:t>Second level</a:t>
             </a:r>
+            <a:endParaRPr lang="en-GB"/>
           </a:p>
           <a:p>
             <a:pPr lvl="2"/>
@@ -4777,6 +4738,7 @@
               <a:rPr lang="en-GB"/>
               <a:t>Third level</a:t>
             </a:r>
+            <a:endParaRPr lang="en-GB"/>
           </a:p>
           <a:p>
             <a:pPr lvl="3"/>
@@ -4784,6 +4746,7 @@
               <a:rPr lang="en-GB"/>
               <a:t>Fourth level</a:t>
             </a:r>
+            <a:endParaRPr lang="en-GB"/>
           </a:p>
           <a:p>
             <a:pPr lvl="4"/>
@@ -4866,6 +4829,7 @@
               <a:rPr lang="en-GB"/>
               <a:t>Click to edit Master text styles</a:t>
             </a:r>
+            <a:endParaRPr lang="en-GB"/>
           </a:p>
         </p:txBody>
       </p:sp>
@@ -4894,6 +4858,7 @@
               <a:rPr lang="en-GB"/>
               <a:t>Click to edit Master text styles</a:t>
             </a:r>
+            <a:endParaRPr lang="en-GB"/>
           </a:p>
           <a:p>
             <a:pPr lvl="1"/>
@@ -4901,6 +4866,7 @@
               <a:rPr lang="en-GB"/>
               <a:t>Second level</a:t>
             </a:r>
+            <a:endParaRPr lang="en-GB"/>
           </a:p>
           <a:p>
             <a:pPr lvl="2"/>
@@ -4908,6 +4874,7 @@
               <a:rPr lang="en-GB"/>
               <a:t>Third level</a:t>
             </a:r>
+            <a:endParaRPr lang="en-GB"/>
           </a:p>
           <a:p>
             <a:pPr lvl="3"/>
@@ -4915,6 +4882,7 @@
               <a:rPr lang="en-GB"/>
               <a:t>Fourth level</a:t>
             </a:r>
+            <a:endParaRPr lang="en-GB"/>
           </a:p>
           <a:p>
             <a:pPr lvl="4"/>
@@ -4943,7 +4911,6 @@
           <a:p>
             <a:fld id="{5CB79EFD-2A97-AB41-A951-8CBBBA95BF44}" type="datetimeFigureOut">
               <a:rPr lang="en-US" smtClean="0"/>
-              <a:t>11/28/22</a:t>
             </a:fld>
             <a:endParaRPr lang="en-US"/>
           </a:p>
@@ -4985,18 +4952,12 @@
           <a:p>
             <a:fld id="{5501FBBD-9496-D146-8264-58427E8AC81F}" type="slidenum">
               <a:rPr lang="en-US" smtClean="0"/>
-              <a:t>‹#›</a:t>
             </a:fld>
             <a:endParaRPr lang="en-US"/>
           </a:p>
         </p:txBody>
       </p:sp>
     </p:spTree>
-    <p:extLst>
-      <p:ext uri="{BB962C8B-B14F-4D97-AF65-F5344CB8AC3E}">
-        <p14:creationId xmlns:p14="http://schemas.microsoft.com/office/powerpoint/2010/main" val="1157041765"/>
-      </p:ext>
-    </p:extLst>
   </p:cSld>
   <p:clrMapOvr>
     <a:masterClrMapping/>
@@ -5091,7 +5052,6 @@
           <a:p>
             <a:fld id="{5CB79EFD-2A97-AB41-A951-8CBBBA95BF44}" type="datetimeFigureOut">
               <a:rPr lang="en-US" smtClean="0"/>
-              <a:t>11/28/22</a:t>
             </a:fld>
             <a:endParaRPr lang="en-US"/>
           </a:p>
@@ -5133,18 +5093,12 @@
           <a:p>
             <a:fld id="{5501FBBD-9496-D146-8264-58427E8AC81F}" type="slidenum">
               <a:rPr lang="en-US" smtClean="0"/>
-              <a:t>‹#›</a:t>
             </a:fld>
             <a:endParaRPr lang="en-US"/>
           </a:p>
         </p:txBody>
       </p:sp>
     </p:spTree>
-    <p:extLst>
-      <p:ext uri="{BB962C8B-B14F-4D97-AF65-F5344CB8AC3E}">
-        <p14:creationId xmlns:p14="http://schemas.microsoft.com/office/powerpoint/2010/main" val="2302649790"/>
-      </p:ext>
-    </p:extLst>
   </p:cSld>
   <p:clrMapOvr>
     <a:masterClrMapping/>
@@ -5216,7 +5170,6 @@
           <a:p>
             <a:fld id="{5CB79EFD-2A97-AB41-A951-8CBBBA95BF44}" type="datetimeFigureOut">
               <a:rPr lang="en-US" smtClean="0"/>
-              <a:t>11/28/22</a:t>
             </a:fld>
             <a:endParaRPr lang="en-US"/>
           </a:p>
@@ -5258,18 +5211,12 @@
           <a:p>
             <a:fld id="{5501FBBD-9496-D146-8264-58427E8AC81F}" type="slidenum">
               <a:rPr lang="en-US" smtClean="0"/>
-              <a:t>‹#›</a:t>
             </a:fld>
             <a:endParaRPr lang="en-US"/>
           </a:p>
         </p:txBody>
       </p:sp>
     </p:spTree>
-    <p:extLst>
-      <p:ext uri="{BB962C8B-B14F-4D97-AF65-F5344CB8AC3E}">
-        <p14:creationId xmlns:p14="http://schemas.microsoft.com/office/powerpoint/2010/main" val="2296421960"/>
-      </p:ext>
-    </p:extLst>
   </p:cSld>
   <p:clrMapOvr>
     <a:masterClrMapping/>
@@ -5381,6 +5328,7 @@
               <a:rPr lang="en-GB"/>
               <a:t>Click to edit Master text styles</a:t>
             </a:r>
+            <a:endParaRPr lang="en-GB"/>
           </a:p>
           <a:p>
             <a:pPr lvl="1"/>
@@ -5388,6 +5336,7 @@
               <a:rPr lang="en-GB"/>
               <a:t>Second level</a:t>
             </a:r>
+            <a:endParaRPr lang="en-GB"/>
           </a:p>
           <a:p>
             <a:pPr lvl="2"/>
@@ -5395,6 +5344,7 @@
               <a:rPr lang="en-GB"/>
               <a:t>Third level</a:t>
             </a:r>
+            <a:endParaRPr lang="en-GB"/>
           </a:p>
           <a:p>
             <a:pPr lvl="3"/>
@@ -5402,6 +5352,7 @@
               <a:rPr lang="en-GB"/>
               <a:t>Fourth level</a:t>
             </a:r>
+            <a:endParaRPr lang="en-GB"/>
           </a:p>
           <a:p>
             <a:pPr lvl="4"/>
@@ -5475,6 +5426,7 @@
               <a:rPr lang="en-GB"/>
               <a:t>Click to edit Master text styles</a:t>
             </a:r>
+            <a:endParaRPr lang="en-GB"/>
           </a:p>
         </p:txBody>
       </p:sp>
@@ -5495,7 +5447,6 @@
           <a:p>
             <a:fld id="{5CB79EFD-2A97-AB41-A951-8CBBBA95BF44}" type="datetimeFigureOut">
               <a:rPr lang="en-US" smtClean="0"/>
-              <a:t>11/28/22</a:t>
             </a:fld>
             <a:endParaRPr lang="en-US"/>
           </a:p>
@@ -5537,18 +5488,12 @@
           <a:p>
             <a:fld id="{5501FBBD-9496-D146-8264-58427E8AC81F}" type="slidenum">
               <a:rPr lang="en-US" smtClean="0"/>
-              <a:t>‹#›</a:t>
             </a:fld>
             <a:endParaRPr lang="en-US"/>
           </a:p>
         </p:txBody>
       </p:sp>
     </p:spTree>
-    <p:extLst>
-      <p:ext uri="{BB962C8B-B14F-4D97-AF65-F5344CB8AC3E}">
-        <p14:creationId xmlns:p14="http://schemas.microsoft.com/office/powerpoint/2010/main" val="232644203"/>
-      </p:ext>
-    </p:extLst>
   </p:cSld>
   <p:clrMapOvr>
     <a:masterClrMapping/>
@@ -5787,6 +5732,7 @@
               <a:rPr lang="en-GB"/>
               <a:t>Click to edit Master text styles</a:t>
             </a:r>
+            <a:endParaRPr lang="en-GB"/>
           </a:p>
         </p:txBody>
       </p:sp>
@@ -5807,7 +5753,6 @@
           <a:p>
             <a:fld id="{5CB79EFD-2A97-AB41-A951-8CBBBA95BF44}" type="datetimeFigureOut">
               <a:rPr lang="en-US" smtClean="0"/>
-              <a:t>11/28/22</a:t>
             </a:fld>
             <a:endParaRPr lang="en-US"/>
           </a:p>
@@ -5849,18 +5794,12 @@
           <a:p>
             <a:fld id="{5501FBBD-9496-D146-8264-58427E8AC81F}" type="slidenum">
               <a:rPr lang="en-US" smtClean="0"/>
-              <a:t>‹#›</a:t>
             </a:fld>
             <a:endParaRPr lang="en-US"/>
           </a:p>
         </p:txBody>
       </p:sp>
     </p:spTree>
-    <p:extLst>
-      <p:ext uri="{BB962C8B-B14F-4D97-AF65-F5344CB8AC3E}">
-        <p14:creationId xmlns:p14="http://schemas.microsoft.com/office/powerpoint/2010/main" val="490223541"/>
-      </p:ext>
-    </p:extLst>
   </p:cSld>
   <p:clrMapOvr>
     <a:masterClrMapping/>
@@ -5899,8 +5838,7 @@
           <p:nvPr/>
         </p:nvPicPr>
         <p:blipFill>
-          <a:blip r:embed="rId19">
-            <a:alphaModFix/>
+          <a:blip r:embed="rId18">
             <a:extLst>
               <a:ext uri="{28A0092B-C50C-407E-A947-70E740481C1C}">
                 <a14:useLocalDpi xmlns:a14="http://schemas.microsoft.com/office/drawing/2010/main" val="0"/>
@@ -5995,6 +5933,7 @@
               <a:rPr lang="en-GB"/>
               <a:t>Click to edit Master text styles</a:t>
             </a:r>
+            <a:endParaRPr lang="en-GB"/>
           </a:p>
           <a:p>
             <a:pPr lvl="1"/>
@@ -6002,6 +5941,7 @@
               <a:rPr lang="en-GB"/>
               <a:t>Second level</a:t>
             </a:r>
+            <a:endParaRPr lang="en-GB"/>
           </a:p>
           <a:p>
             <a:pPr lvl="2"/>
@@ -6009,6 +5949,7 @@
               <a:rPr lang="en-GB"/>
               <a:t>Third level</a:t>
             </a:r>
+            <a:endParaRPr lang="en-GB"/>
           </a:p>
           <a:p>
             <a:pPr lvl="3"/>
@@ -6016,6 +5957,7 @@
               <a:rPr lang="en-GB"/>
               <a:t>Fourth level</a:t>
             </a:r>
+            <a:endParaRPr lang="en-GB"/>
           </a:p>
           <a:p>
             <a:pPr lvl="4"/>
@@ -6060,7 +6002,6 @@
           <a:p>
             <a:fld id="{5CB79EFD-2A97-AB41-A951-8CBBBA95BF44}" type="datetimeFigureOut">
               <a:rPr lang="en-US" smtClean="0"/>
-              <a:t>11/28/22</a:t>
             </a:fld>
             <a:endParaRPr lang="en-US"/>
           </a:p>
@@ -6134,38 +6075,32 @@
           <a:p>
             <a:fld id="{5501FBBD-9496-D146-8264-58427E8AC81F}" type="slidenum">
               <a:rPr lang="en-US" smtClean="0"/>
-              <a:t>‹#›</a:t>
             </a:fld>
             <a:endParaRPr lang="en-US"/>
           </a:p>
         </p:txBody>
       </p:sp>
     </p:spTree>
-    <p:extLst>
-      <p:ext uri="{BB962C8B-B14F-4D97-AF65-F5344CB8AC3E}">
-        <p14:creationId xmlns:p14="http://schemas.microsoft.com/office/powerpoint/2010/main" val="847517783"/>
-      </p:ext>
-    </p:extLst>
   </p:cSld>
   <p:clrMap bg1="lt1" tx1="dk1" bg2="lt2" tx2="dk2" accent1="accent1" accent2="accent2" accent3="accent3" accent4="accent4" accent5="accent5" accent6="accent6" hlink="hlink" folHlink="folHlink"/>
   <p:sldLayoutIdLst>
-    <p:sldLayoutId id="2147483661" r:id="rId1"/>
-    <p:sldLayoutId id="2147483662" r:id="rId2"/>
-    <p:sldLayoutId id="2147483663" r:id="rId3"/>
-    <p:sldLayoutId id="2147483664" r:id="rId4"/>
-    <p:sldLayoutId id="2147483665" r:id="rId5"/>
-    <p:sldLayoutId id="2147483666" r:id="rId6"/>
-    <p:sldLayoutId id="2147483667" r:id="rId7"/>
-    <p:sldLayoutId id="2147483668" r:id="rId8"/>
-    <p:sldLayoutId id="2147483669" r:id="rId9"/>
-    <p:sldLayoutId id="2147483670" r:id="rId10"/>
-    <p:sldLayoutId id="2147483671" r:id="rId11"/>
-    <p:sldLayoutId id="2147483672" r:id="rId12"/>
-    <p:sldLayoutId id="2147483673" r:id="rId13"/>
-    <p:sldLayoutId id="2147483674" r:id="rId14"/>
-    <p:sldLayoutId id="2147483675" r:id="rId15"/>
-    <p:sldLayoutId id="2147483676" r:id="rId16"/>
-    <p:sldLayoutId id="2147483677" r:id="rId17"/>
+    <p:sldLayoutId id="2147483649" r:id="rId1"/>
+    <p:sldLayoutId id="2147483650" r:id="rId2"/>
+    <p:sldLayoutId id="2147483651" r:id="rId3"/>
+    <p:sldLayoutId id="2147483652" r:id="rId4"/>
+    <p:sldLayoutId id="2147483653" r:id="rId5"/>
+    <p:sldLayoutId id="2147483654" r:id="rId6"/>
+    <p:sldLayoutId id="2147483655" r:id="rId7"/>
+    <p:sldLayoutId id="2147483656" r:id="rId8"/>
+    <p:sldLayoutId id="2147483657" r:id="rId9"/>
+    <p:sldLayoutId id="2147483658" r:id="rId10"/>
+    <p:sldLayoutId id="2147483659" r:id="rId11"/>
+    <p:sldLayoutId id="2147483660" r:id="rId12"/>
+    <p:sldLayoutId id="2147483661" r:id="rId13"/>
+    <p:sldLayoutId id="2147483662" r:id="rId14"/>
+    <p:sldLayoutId id="2147483663" r:id="rId15"/>
+    <p:sldLayoutId id="2147483664" r:id="rId16"/>
+    <p:sldLayoutId id="2147483665" r:id="rId17"/>
   </p:sldLayoutIdLst>
   <p:txStyles>
     <p:titleStyle>
@@ -6199,7 +6134,7 @@
         <a:buClr>
           <a:schemeClr val="tx1"/>
         </a:buClr>
-        <a:buFont typeface="Arial" panose="020B0604020202020204" pitchFamily="34" charset="0"/>
+        <a:buFont typeface="Arial" panose="02080604020202020204" pitchFamily="34" charset="0"/>
         <a:buChar char="•"/>
         <a:defRPr sz="2000" kern="1200" cap="all" baseline="0">
           <a:solidFill>
@@ -6221,7 +6156,7 @@
         <a:buClr>
           <a:schemeClr val="tx1"/>
         </a:buClr>
-        <a:buFont typeface="Arial" panose="020B0604020202020204" pitchFamily="34" charset="0"/>
+        <a:buFont typeface="Arial" panose="02080604020202020204" pitchFamily="34" charset="0"/>
         <a:buChar char="•"/>
         <a:defRPr sz="1800" kern="1200" cap="all" baseline="0">
           <a:solidFill>
@@ -6243,7 +6178,7 @@
         <a:buClr>
           <a:schemeClr val="tx1"/>
         </a:buClr>
-        <a:buFont typeface="Arial" panose="020B0604020202020204" pitchFamily="34" charset="0"/>
+        <a:buFont typeface="Arial" panose="02080604020202020204" pitchFamily="34" charset="0"/>
         <a:buChar char="•"/>
         <a:defRPr sz="1600" kern="1200" cap="all" baseline="0">
           <a:solidFill>
@@ -6265,7 +6200,7 @@
         <a:buClr>
           <a:schemeClr val="tx1"/>
         </a:buClr>
-        <a:buFont typeface="Arial" panose="020B0604020202020204" pitchFamily="34" charset="0"/>
+        <a:buFont typeface="Arial" panose="02080604020202020204" pitchFamily="34" charset="0"/>
         <a:buChar char="•"/>
         <a:defRPr sz="1400" kern="1200" cap="all" baseline="0">
           <a:solidFill>
@@ -6287,7 +6222,7 @@
         <a:buClr>
           <a:schemeClr val="tx1"/>
         </a:buClr>
-        <a:buFont typeface="Arial" panose="020B0604020202020204" pitchFamily="34" charset="0"/>
+        <a:buFont typeface="Arial" panose="02080604020202020204" pitchFamily="34" charset="0"/>
         <a:buChar char="•"/>
         <a:defRPr sz="1400" kern="1200" cap="all" baseline="0">
           <a:solidFill>
@@ -6309,7 +6244,7 @@
         <a:buClr>
           <a:schemeClr val="tx1"/>
         </a:buClr>
-        <a:buFont typeface="Arial" panose="020B0604020202020204" pitchFamily="34" charset="0"/>
+        <a:buFont typeface="Arial" panose="02080604020202020204" pitchFamily="34" charset="0"/>
         <a:buChar char="•"/>
         <a:defRPr sz="1400" kern="1200" cap="all" baseline="0">
           <a:solidFill>
@@ -6331,7 +6266,7 @@
         <a:buClr>
           <a:schemeClr val="tx1"/>
         </a:buClr>
-        <a:buFont typeface="Arial" panose="020B0604020202020204" pitchFamily="34" charset="0"/>
+        <a:buFont typeface="Arial" panose="02080604020202020204" pitchFamily="34" charset="0"/>
         <a:buChar char="•"/>
         <a:defRPr sz="1400" kern="1200" cap="all" baseline="0">
           <a:solidFill>
@@ -6353,7 +6288,7 @@
         <a:buClr>
           <a:schemeClr val="tx1"/>
         </a:buClr>
-        <a:buFont typeface="Arial" panose="020B0604020202020204" pitchFamily="34" charset="0"/>
+        <a:buFont typeface="Arial" panose="02080604020202020204" pitchFamily="34" charset="0"/>
         <a:buChar char="•"/>
         <a:defRPr sz="1400" kern="1200" cap="all" baseline="0">
           <a:solidFill>
@@ -6375,7 +6310,7 @@
         <a:buClr>
           <a:schemeClr val="tx1"/>
         </a:buClr>
-        <a:buFont typeface="Arial" panose="020B0604020202020204" pitchFamily="34" charset="0"/>
+        <a:buFont typeface="Arial" panose="02080604020202020204" pitchFamily="34" charset="0"/>
         <a:buChar char="•"/>
         <a:defRPr sz="1400" kern="1200" cap="all" baseline="0">
           <a:solidFill>
@@ -6506,13 +6441,7 @@
       </p:grpSpPr>
       <p:sp>
         <p:nvSpPr>
-          <p:cNvPr id="2" name="Title 1">
-            <a:extLst>
-              <a:ext uri="{FF2B5EF4-FFF2-40B4-BE49-F238E27FC236}">
-                <a16:creationId xmlns:a16="http://schemas.microsoft.com/office/drawing/2014/main" id="{1B5BDA45-9DE0-E543-93A5-B012B07D985F}"/>
-              </a:ext>
-            </a:extLst>
-          </p:cNvPr>
+          <p:cNvPr id="2" name="Title 1"/>
           <p:cNvSpPr>
             <a:spLocks noGrp="1"/>
           </p:cNvSpPr>
@@ -6529,18 +6458,13 @@
               <a:rPr lang="en-US" dirty="0"/>
               <a:t>Cryptographic techniques</a:t>
             </a:r>
-          </a:p>
-        </p:txBody>
-      </p:sp>
-      <p:sp>
-        <p:nvSpPr>
-          <p:cNvPr id="3" name="Subtitle 2">
-            <a:extLst>
-              <a:ext uri="{FF2B5EF4-FFF2-40B4-BE49-F238E27FC236}">
-                <a16:creationId xmlns:a16="http://schemas.microsoft.com/office/drawing/2014/main" id="{1FE93C89-C8E4-7340-9EC6-F275F1313E90}"/>
-              </a:ext>
-            </a:extLst>
-          </p:cNvPr>
+            <a:endParaRPr lang="en-US" dirty="0"/>
+          </a:p>
+        </p:txBody>
+      </p:sp>
+      <p:sp>
+        <p:nvSpPr>
+          <p:cNvPr id="3" name="Subtitle 2"/>
           <p:cNvSpPr>
             <a:spLocks noGrp="1"/>
           </p:cNvSpPr>
@@ -6565,15 +6489,11 @@
               <a:rPr lang="en-US" dirty="0"/>
               <a:t>.</a:t>
             </a:r>
+            <a:endParaRPr lang="en-US" dirty="0"/>
           </a:p>
         </p:txBody>
       </p:sp>
     </p:spTree>
-    <p:extLst>
-      <p:ext uri="{BB962C8B-B14F-4D97-AF65-F5344CB8AC3E}">
-        <p14:creationId xmlns:p14="http://schemas.microsoft.com/office/powerpoint/2010/main" val="2926064760"/>
-      </p:ext>
-    </p:extLst>
   </p:cSld>
   <p:clrMapOvr>
     <a:masterClrMapping/>
@@ -6617,6 +6537,7 @@
               <a:rPr lang="en-US" dirty="0"/>
               <a:t>MORE MATHS</a:t>
             </a:r>
+            <a:endParaRPr lang="en-US" dirty="0"/>
           </a:p>
         </p:txBody>
       </p:sp>
@@ -6649,6 +6570,7 @@
               <a:rPr lang="en-US" sz="3200" dirty="0"/>
               <a:t>Modular arithmetic </a:t>
             </a:r>
+            <a:endParaRPr lang="en-US" sz="3200" dirty="0"/>
           </a:p>
           <a:p>
             <a:pPr lvl="1"/>
@@ -6672,6 +6594,7 @@
               <a:rPr lang="en-US" sz="2400" b="1" i="1" dirty="0"/>
               <a:t>n </a:t>
             </a:r>
+            <a:endParaRPr lang="en-US" sz="2400" b="1" i="1" dirty="0"/>
           </a:p>
           <a:p>
             <a:pPr lvl="2"/>
@@ -6686,6 +6609,7 @@
               <a:rPr lang="en-US" sz="3200" dirty="0"/>
               <a:t>Some properties</a:t>
             </a:r>
+            <a:endParaRPr lang="en-US" sz="3200" dirty="0"/>
           </a:p>
           <a:p>
             <a:pPr lvl="1"/>
@@ -6701,6 +6625,7 @@
               <a:rPr lang="en-US" sz="2400" i="1" dirty="0"/>
               <a:t>) mod n = (a mod n + b mod n) mod n</a:t>
             </a:r>
+            <a:endParaRPr lang="en-US" sz="2400" i="1" dirty="0"/>
           </a:p>
           <a:p>
             <a:pPr lvl="2"/>
@@ -6708,6 +6633,7 @@
               <a:rPr lang="en-US" dirty="0"/>
               <a:t>13 + 17 mod 5 = 0 = (3 + 2) mod 5 = </a:t>
             </a:r>
+            <a:endParaRPr lang="en-US" dirty="0"/>
           </a:p>
           <a:p>
             <a:pPr marL="411480" lvl="1" indent="0">
@@ -6717,6 +6643,7 @@
               <a:rPr lang="hr-HR" sz="2400" dirty="0"/>
               <a:t>	(13 mod 5 + 17 mod 5) mod 5 </a:t>
             </a:r>
+            <a:endParaRPr lang="hr-HR" sz="2400" dirty="0"/>
           </a:p>
           <a:p>
             <a:pPr lvl="1"/>
@@ -6725,7 +6652,7 @@
               <a:t>(</a:t>
             </a:r>
             <a:r>
-              <a:rPr lang="mr-IN" sz="2400" i="1" dirty="0"/>
+              <a:rPr lang="en-US" sz="2400" i="1" dirty="0"/>
               <a:t>a*b</a:t>
             </a:r>
             <a:r>
@@ -6733,7 +6660,7 @@
               <a:t>)</a:t>
             </a:r>
             <a:r>
-              <a:rPr lang="mr-IN" sz="2400" i="1" dirty="0"/>
+              <a:rPr lang="en-US" sz="2400" i="1" dirty="0"/>
               <a:t> mod n = </a:t>
             </a:r>
             <a:r>
@@ -6741,7 +6668,7 @@
               <a:t>(</a:t>
             </a:r>
             <a:r>
-              <a:rPr lang="mr-IN" sz="2400" i="1" dirty="0"/>
+              <a:rPr lang="en-US" sz="2400" i="1" dirty="0"/>
               <a:t>a mod n * b mod n</a:t>
             </a:r>
             <a:r>
@@ -6749,7 +6676,7 @@
               <a:t>)</a:t>
             </a:r>
             <a:r>
-              <a:rPr lang="mr-IN" sz="2400" i="1" dirty="0"/>
+              <a:rPr lang="en-US" sz="2400" i="1" dirty="0"/>
               <a:t> mod n </a:t>
             </a:r>
             <a:endParaRPr lang="en-US" sz="2400" i="1" dirty="0"/>
@@ -6757,7 +6684,7 @@
           <a:p>
             <a:pPr lvl="1"/>
             <a:r>
-              <a:rPr lang="mr-IN" dirty="0"/>
+              <a:rPr lang="en-US" dirty="0"/>
               <a:t>7*3 mod 5 = 1 = </a:t>
             </a:r>
             <a:r>
@@ -6765,7 +6692,7 @@
               <a:t>(</a:t>
             </a:r>
             <a:r>
-              <a:rPr lang="mr-IN" dirty="0"/>
+              <a:rPr lang="en-US" dirty="0"/>
               <a:t>2 * 3</a:t>
             </a:r>
             <a:r>
@@ -6773,9 +6700,10 @@
               <a:t>)</a:t>
             </a:r>
             <a:r>
-              <a:rPr lang="mr-IN" dirty="0"/>
+              <a:rPr lang="en-US" dirty="0"/>
               <a:t> mod 5 </a:t>
             </a:r>
+            <a:endParaRPr lang="en-US" dirty="0"/>
           </a:p>
           <a:p>
             <a:pPr marL="411480" lvl="1" indent="0">
@@ -6785,6 +6713,7 @@
               <a:rPr lang="hr-HR" sz="2400" dirty="0"/>
               <a:t>			= (7 mod 5 * 3 mod 5) mod n </a:t>
             </a:r>
+            <a:endParaRPr lang="hr-HR" sz="2400" dirty="0"/>
           </a:p>
           <a:p>
             <a:pPr lvl="1"/>
@@ -6804,6 +6733,7 @@
               <a:rPr lang="en-US" sz="2400" dirty="0"/>
               <a:t> of 3 (mod 5) </a:t>
             </a:r>
+            <a:endParaRPr lang="en-US" sz="2400" dirty="0"/>
           </a:p>
           <a:p>
             <a:endParaRPr lang="en-US" sz="2800" dirty="0"/>
@@ -6811,11 +6741,6 @@
         </p:txBody>
       </p:sp>
     </p:spTree>
-    <p:extLst>
-      <p:ext uri="{BB962C8B-B14F-4D97-AF65-F5344CB8AC3E}">
-        <p14:creationId xmlns:p14="http://schemas.microsoft.com/office/powerpoint/2010/main" val="4116807733"/>
-      </p:ext>
-    </p:extLst>
   </p:cSld>
   <p:clrMapOvr>
     <a:masterClrMapping/>
@@ -6859,6 +6784,7 @@
               <a:rPr lang="en-US" dirty="0"/>
               <a:t>MORE MATHS</a:t>
             </a:r>
+            <a:endParaRPr lang="en-US" dirty="0"/>
           </a:p>
         </p:txBody>
       </p:sp>
@@ -6891,6 +6817,7 @@
               <a:rPr lang="en-US" sz="3200" dirty="0"/>
               <a:t>X will have a multiplicative inverse mod Y if and only if X and Y are relatively prime </a:t>
             </a:r>
+            <a:endParaRPr lang="en-US" sz="3200" dirty="0"/>
           </a:p>
           <a:p>
             <a:pPr lvl="1"/>
@@ -6898,6 +6825,7 @@
               <a:rPr lang="en-US" sz="2800" dirty="0"/>
               <a:t>Does 4 have a multiplicative inverse mod 3? </a:t>
             </a:r>
+            <a:endParaRPr lang="en-US" sz="2800" dirty="0"/>
           </a:p>
           <a:p>
             <a:pPr lvl="1"/>
@@ -6905,6 +6833,7 @@
               <a:rPr lang="en-US" sz="2800" dirty="0"/>
               <a:t>Does 4 have a multiplicative inverse mod 8? </a:t>
             </a:r>
+            <a:endParaRPr lang="en-US" sz="2800" dirty="0"/>
           </a:p>
           <a:p>
             <a:pPr lvl="1"/>
@@ -6912,6 +6841,7 @@
               <a:rPr lang="en-US" sz="2800" dirty="0"/>
               <a:t>Does 4 have a multiplicative inverse mod 6? </a:t>
             </a:r>
+            <a:endParaRPr lang="en-US" sz="2800" dirty="0"/>
           </a:p>
           <a:p>
             <a:pPr lvl="2"/>
@@ -6919,15 +6849,11 @@
               <a:rPr lang="en-US" sz="2000" dirty="0"/>
               <a:t>Hint: 6=2x3 !</a:t>
             </a:r>
+            <a:endParaRPr lang="en-US" sz="2000" dirty="0"/>
           </a:p>
         </p:txBody>
       </p:sp>
     </p:spTree>
-    <p:extLst>
-      <p:ext uri="{BB962C8B-B14F-4D97-AF65-F5344CB8AC3E}">
-        <p14:creationId xmlns:p14="http://schemas.microsoft.com/office/powerpoint/2010/main" val="2376163582"/>
-      </p:ext>
-    </p:extLst>
   </p:cSld>
   <p:clrMapOvr>
     <a:masterClrMapping/>
@@ -6971,6 +6897,7 @@
               <a:rPr lang="en-US" dirty="0"/>
               <a:t>MORE MATHS</a:t>
             </a:r>
+            <a:endParaRPr lang="en-US" dirty="0"/>
           </a:p>
         </p:txBody>
       </p:sp>
@@ -7047,6 +6974,7 @@
               <a:rPr lang="da-DK" sz="2800" dirty="0"/>
               <a:t> mod 5=2, … </a:t>
             </a:r>
+            <a:endParaRPr lang="da-DK" sz="2800" dirty="0"/>
           </a:p>
           <a:p>
             <a:pPr lvl="1"/>
@@ -7078,6 +7006,7 @@
               <a:rPr lang="da-DK" sz="2800" dirty="0"/>
               <a:t> mod 6=4, … </a:t>
             </a:r>
+            <a:endParaRPr lang="da-DK" sz="2800" dirty="0"/>
           </a:p>
           <a:p>
             <a:pPr lvl="1"/>
@@ -7101,6 +7030,7 @@
               <a:rPr lang="da-DK" sz="2800" dirty="0"/>
               <a:t> mod 6 = 8 mod 6= 2 </a:t>
             </a:r>
+            <a:endParaRPr lang="da-DK" sz="2800" dirty="0"/>
           </a:p>
           <a:p>
             <a:pPr lvl="1"/>
@@ -7132,6 +7062,7 @@
               <a:rPr lang="da-DK" sz="2800" dirty="0"/>
               <a:t>mod 6= 8 mod 6 = 2 </a:t>
             </a:r>
+            <a:endParaRPr lang="da-DK" sz="2800" dirty="0"/>
           </a:p>
           <a:p>
             <a:pPr lvl="1"/>
@@ -7155,6 +7086,7 @@
               <a:rPr lang="da-DK" sz="2800" dirty="0"/>
               <a:t>mod 6= 8mod 6 = 2 </a:t>
             </a:r>
+            <a:endParaRPr lang="da-DK" sz="2800" dirty="0"/>
           </a:p>
           <a:p>
             <a:pPr lvl="1"/>
@@ -7162,15 +7094,11 @@
               <a:rPr lang="en-US" sz="2800" dirty="0"/>
               <a:t>Why “mod 2”? Because 𝜑(6)=2 </a:t>
             </a:r>
+            <a:endParaRPr lang="en-US" sz="2800" dirty="0"/>
           </a:p>
         </p:txBody>
       </p:sp>
     </p:spTree>
-    <p:extLst>
-      <p:ext uri="{BB962C8B-B14F-4D97-AF65-F5344CB8AC3E}">
-        <p14:creationId xmlns:p14="http://schemas.microsoft.com/office/powerpoint/2010/main" val="1123383415"/>
-      </p:ext>
-    </p:extLst>
   </p:cSld>
   <p:clrMapOvr>
     <a:masterClrMapping/>
@@ -7214,6 +7142,7 @@
               <a:rPr lang="en-US" dirty="0"/>
               <a:t>AND A LITTLE MORE</a:t>
             </a:r>
+            <a:endParaRPr lang="en-US" dirty="0"/>
           </a:p>
         </p:txBody>
       </p:sp>
@@ -7274,6 +7203,7 @@
               <a:rPr lang="en-US" sz="3600" dirty="0"/>
               <a:t> mod n </a:t>
             </a:r>
+            <a:endParaRPr lang="en-US" sz="3600" dirty="0"/>
           </a:p>
           <a:p>
             <a:pPr lvl="1"/>
@@ -7281,12 +7211,14 @@
               <a:rPr lang="en-US" sz="3200" dirty="0"/>
               <a:t>Valid only when n is a prime or the product of distinct primes </a:t>
             </a:r>
+            <a:endParaRPr lang="en-US" sz="3200" dirty="0"/>
           </a:p>
           <a:p>
             <a:r>
               <a:rPr lang="en-US" sz="3600" dirty="0"/>
               <a:t>Particular case: if y mod 𝜑(n) = 1</a:t>
             </a:r>
+            <a:endParaRPr lang="en-US" sz="3600" dirty="0"/>
           </a:p>
           <a:p>
             <a:pPr lvl="1"/>
@@ -7338,15 +7270,11 @@
               <a:rPr lang="en-US" sz="3200" dirty="0"/>
               <a:t>Very important for RSA !</a:t>
             </a:r>
+            <a:endParaRPr lang="en-US" sz="3200" dirty="0"/>
           </a:p>
         </p:txBody>
       </p:sp>
     </p:spTree>
-    <p:extLst>
-      <p:ext uri="{BB962C8B-B14F-4D97-AF65-F5344CB8AC3E}">
-        <p14:creationId xmlns:p14="http://schemas.microsoft.com/office/powerpoint/2010/main" val="3455437754"/>
-      </p:ext>
-    </p:extLst>
   </p:cSld>
   <p:clrMapOvr>
     <a:masterClrMapping/>
@@ -7390,6 +7318,7 @@
               <a:rPr lang="en-US" dirty="0"/>
               <a:t>RSA</a:t>
             </a:r>
+            <a:endParaRPr lang="en-US" dirty="0"/>
           </a:p>
         </p:txBody>
       </p:sp>
@@ -7434,6 +7363,7 @@
               <a:rPr lang="en-US" sz="3200" dirty="0"/>
               <a:t> </a:t>
             </a:r>
+            <a:endParaRPr lang="en-US" sz="3200" dirty="0"/>
           </a:p>
           <a:p>
             <a:pPr lvl="1"/>
@@ -7441,6 +7371,7 @@
               <a:rPr lang="en-US" dirty="0"/>
               <a:t>Use a large n such that</a:t>
             </a:r>
+            <a:endParaRPr lang="en-US" dirty="0"/>
           </a:p>
           <a:p>
             <a:pPr lvl="2"/>
@@ -7456,6 +7387,7 @@
               <a:rPr lang="en-US" dirty="0"/>
               <a:t>, where p and q are large prime numbers </a:t>
             </a:r>
+            <a:endParaRPr lang="en-US" dirty="0"/>
           </a:p>
           <a:p>
             <a:pPr lvl="1"/>
@@ -7463,6 +7395,7 @@
               <a:rPr lang="en-US" dirty="0"/>
               <a:t>Choose e relatively prime to n (3?) </a:t>
             </a:r>
+            <a:endParaRPr lang="en-US" dirty="0"/>
           </a:p>
           <a:p>
             <a:pPr lvl="2"/>
@@ -7478,6 +7411,7 @@
               <a:rPr lang="en-US" dirty="0"/>
               <a:t>) is the public key </a:t>
             </a:r>
+            <a:endParaRPr lang="en-US" dirty="0"/>
           </a:p>
           <a:p>
             <a:pPr lvl="1"/>
@@ -7497,6 +7431,7 @@
               <a:rPr lang="en-US" dirty="0"/>
               <a:t>mod n </a:t>
             </a:r>
+            <a:endParaRPr lang="en-US" dirty="0"/>
           </a:p>
           <a:p>
             <a:pPr lvl="1"/>
@@ -7512,6 +7447,7 @@
               <a:rPr lang="en-US" dirty="0"/>
               <a:t> = 1 mod 𝜑(n)</a:t>
             </a:r>
+            <a:endParaRPr lang="en-US" dirty="0"/>
           </a:p>
           <a:p>
             <a:pPr lvl="2"/>
@@ -7527,6 +7463,7 @@
               <a:rPr lang="en-US" dirty="0"/>
               <a:t>) is the private key </a:t>
             </a:r>
+            <a:endParaRPr lang="en-US" dirty="0"/>
           </a:p>
           <a:p>
             <a:pPr lvl="1"/>
@@ -7546,6 +7483,7 @@
               <a:rPr lang="en-US" sz="2400" dirty="0"/>
               <a:t>mod n (why)?</a:t>
             </a:r>
+            <a:endParaRPr lang="en-US" sz="2400" dirty="0"/>
           </a:p>
           <a:p>
             <a:pPr lvl="2"/>
@@ -7621,12 +7559,14 @@
               <a:rPr lang="ro-RO" dirty="0"/>
               <a:t>mod n= m mod n </a:t>
             </a:r>
+            <a:endParaRPr lang="ro-RO" dirty="0"/>
           </a:p>
           <a:p>
             <a:r>
               <a:rPr lang="ro-RO" dirty="0"/>
               <a:t>Works the same way when encrypting with the private key and decrypting with the public key </a:t>
             </a:r>
+            <a:endParaRPr lang="ro-RO" dirty="0"/>
           </a:p>
           <a:p>
             <a:pPr marL="114300" indent="0">
@@ -7637,11 +7577,6 @@
         </p:txBody>
       </p:sp>
     </p:spTree>
-    <p:extLst>
-      <p:ext uri="{BB962C8B-B14F-4D97-AF65-F5344CB8AC3E}">
-        <p14:creationId xmlns:p14="http://schemas.microsoft.com/office/powerpoint/2010/main" val="3558481668"/>
-      </p:ext>
-    </p:extLst>
   </p:cSld>
   <p:clrMapOvr>
     <a:masterClrMapping/>
@@ -7702,11 +7637,6 @@
         </p:txBody>
       </p:sp>
     </p:spTree>
-    <p:extLst>
-      <p:ext uri="{BB962C8B-B14F-4D97-AF65-F5344CB8AC3E}">
-        <p14:creationId xmlns:p14="http://schemas.microsoft.com/office/powerpoint/2010/main" val="2852500140"/>
-      </p:ext>
-    </p:extLst>
   </p:cSld>
   <p:clrMapOvr>
     <a:masterClrMapping/>
@@ -7750,6 +7680,7 @@
               <a:rPr lang="en-US" dirty="0"/>
               <a:t>PUBLIC Key ENCRYPTION</a:t>
             </a:r>
+            <a:endParaRPr lang="en-US" dirty="0"/>
           </a:p>
         </p:txBody>
       </p:sp>
@@ -7776,15 +7707,11 @@
               <a:rPr lang="en-US" dirty="0"/>
               <a:t>CRYPTOGRAPHY</a:t>
             </a:r>
+            <a:endParaRPr lang="en-US" dirty="0"/>
           </a:p>
         </p:txBody>
       </p:sp>
     </p:spTree>
-    <p:extLst>
-      <p:ext uri="{BB962C8B-B14F-4D97-AF65-F5344CB8AC3E}">
-        <p14:creationId xmlns:p14="http://schemas.microsoft.com/office/powerpoint/2010/main" val="235258051"/>
-      </p:ext>
-    </p:extLst>
   </p:cSld>
   <p:clrMapOvr>
     <a:masterClrMapping/>
@@ -7828,6 +7755,7 @@
               <a:rPr lang="en-US" dirty="0"/>
               <a:t>Public Key Encryption</a:t>
             </a:r>
+            <a:endParaRPr lang="en-US" dirty="0"/>
           </a:p>
         </p:txBody>
       </p:sp>
@@ -7841,7 +7769,12 @@
             <p:ph sz="quarter" idx="13"/>
           </p:nvPr>
         </p:nvSpPr>
-        <p:spPr/>
+        <p:spPr>
+          <a:xfrm>
+            <a:off x="913774" y="2143572"/>
+            <a:ext cx="10363826" cy="3424107"/>
+          </a:xfrm>
+        </p:spPr>
         <p:txBody>
           <a:bodyPr>
             <a:normAutofit fontScale="92500" lnSpcReduction="10000"/>
@@ -7852,30 +7785,28 @@
               <a:rPr lang="en-US" sz="3200" dirty="0"/>
               <a:t>With the spread of more unsecure computer networks in last few decades, a genuine need was felt to use cryptography at a larger scale. </a:t>
             </a:r>
+            <a:endParaRPr lang="en-US" sz="3200" dirty="0"/>
           </a:p>
           <a:p>
             <a:r>
               <a:rPr lang="en-US" sz="3200" dirty="0"/>
               <a:t>The symmetric key was found to be non-practical due to challenges it faced for key management. </a:t>
             </a:r>
+            <a:endParaRPr lang="en-US" sz="3200" dirty="0"/>
           </a:p>
           <a:p>
             <a:r>
               <a:rPr lang="en-US" sz="3200" dirty="0"/>
               <a:t>This gave rise to the public key cryptography.</a:t>
             </a:r>
-          </a:p>
-          <a:p>
             <a:endParaRPr lang="en-US" sz="3200" dirty="0"/>
           </a:p>
+          <a:p>
+            <a:endParaRPr lang="en-US" sz="3200" dirty="0"/>
+          </a:p>
         </p:txBody>
       </p:sp>
     </p:spTree>
-    <p:extLst>
-      <p:ext uri="{BB962C8B-B14F-4D97-AF65-F5344CB8AC3E}">
-        <p14:creationId xmlns:p14="http://schemas.microsoft.com/office/powerpoint/2010/main" val="1564673452"/>
-      </p:ext>
-    </p:extLst>
   </p:cSld>
   <p:clrMapOvr>
     <a:masterClrMapping/>
@@ -7928,7 +7859,7 @@
           <p:nvPr/>
         </p:nvPicPr>
         <p:blipFill>
-          <a:blip r:embed="rId2"/>
+          <a:blip r:embed="rId1"/>
           <a:stretch>
             <a:fillRect/>
           </a:stretch>
@@ -7944,11 +7875,6 @@
         </p:spPr>
       </p:pic>
     </p:spTree>
-    <p:extLst>
-      <p:ext uri="{BB962C8B-B14F-4D97-AF65-F5344CB8AC3E}">
-        <p14:creationId xmlns:p14="http://schemas.microsoft.com/office/powerpoint/2010/main" val="1055314546"/>
-      </p:ext>
-    </p:extLst>
   </p:cSld>
   <p:clrMapOvr>
     <a:masterClrMapping/>
@@ -7983,7 +7909,12 @@
             <p:ph type="title"/>
           </p:nvPr>
         </p:nvSpPr>
-        <p:spPr/>
+        <p:spPr>
+          <a:xfrm>
+            <a:off x="913775" y="120677"/>
+            <a:ext cx="10364451" cy="1596177"/>
+          </a:xfrm>
+        </p:spPr>
         <p:txBody>
           <a:bodyPr/>
           <a:lstStyle/>
@@ -8006,7 +7937,12 @@
             <p:ph sz="quarter" idx="13"/>
           </p:nvPr>
         </p:nvSpPr>
-        <p:spPr/>
+        <p:spPr>
+          <a:xfrm>
+            <a:off x="1311919" y="1164402"/>
+            <a:ext cx="10363826" cy="3424107"/>
+          </a:xfrm>
+        </p:spPr>
         <p:txBody>
           <a:bodyPr>
             <a:noAutofit/>
@@ -8017,18 +7953,21 @@
               <a:rPr lang="en-US" sz="3200" dirty="0"/>
               <a:t>Different keys are used for encryption and decryption. This is a property which set this scheme different than symmetric encryption scheme.</a:t>
             </a:r>
+            <a:endParaRPr lang="en-US" sz="3200" dirty="0"/>
           </a:p>
           <a:p>
             <a:r>
               <a:rPr lang="en-US" sz="3200" dirty="0"/>
               <a:t>Each receiver possesses a unique decryption key, generally referred to as his private key.</a:t>
             </a:r>
+            <a:endParaRPr lang="en-US" sz="3200" dirty="0"/>
           </a:p>
           <a:p>
             <a:r>
               <a:rPr lang="en-US" sz="3200" dirty="0"/>
               <a:t>Receiver needs to publish an encryption key, referred to as his public key.</a:t>
             </a:r>
+            <a:endParaRPr lang="en-US" sz="3200" dirty="0"/>
           </a:p>
           <a:p>
             <a:pPr marL="0" indent="0">
@@ -8039,11 +7978,6 @@
         </p:txBody>
       </p:sp>
     </p:spTree>
-    <p:extLst>
-      <p:ext uri="{BB962C8B-B14F-4D97-AF65-F5344CB8AC3E}">
-        <p14:creationId xmlns:p14="http://schemas.microsoft.com/office/powerpoint/2010/main" val="2947128088"/>
-      </p:ext>
-    </p:extLst>
   </p:cSld>
   <p:clrMapOvr>
     <a:masterClrMapping/>
@@ -8078,7 +8012,12 @@
             <p:ph type="title"/>
           </p:nvPr>
         </p:nvSpPr>
-        <p:spPr/>
+        <p:spPr>
+          <a:xfrm>
+            <a:off x="913775" y="-297153"/>
+            <a:ext cx="10364451" cy="1596177"/>
+          </a:xfrm>
+        </p:spPr>
         <p:txBody>
           <a:bodyPr/>
           <a:lstStyle/>
@@ -8087,6 +8026,7 @@
               <a:rPr lang="en-US" dirty="0"/>
               <a:t>Properties (2)</a:t>
             </a:r>
+            <a:endParaRPr lang="en-US" dirty="0"/>
           </a:p>
         </p:txBody>
       </p:sp>
@@ -8100,7 +8040,12 @@
             <p:ph sz="quarter" idx="13"/>
           </p:nvPr>
         </p:nvSpPr>
-        <p:spPr/>
+        <p:spPr>
+          <a:xfrm>
+            <a:off x="913765" y="438150"/>
+            <a:ext cx="10784205" cy="1162050"/>
+          </a:xfrm>
+        </p:spPr>
         <p:txBody>
           <a:bodyPr>
             <a:noAutofit/>
@@ -8111,6 +8056,7 @@
               <a:rPr lang="en-US" sz="2400" dirty="0"/>
               <a:t>Some assurance of the authenticity of a public key is needed in this scheme to avoid spoofing by adversary as the receiver. Generally, this type of cryptosystem involves trusted third party which certifies that a particular public key belongs to a specific person or entity only.</a:t>
             </a:r>
+            <a:endParaRPr lang="en-US" sz="2400" dirty="0"/>
           </a:p>
           <a:p>
             <a:r>
@@ -8125,24 +8071,21 @@
               <a:rPr lang="en-US" sz="2400" dirty="0"/>
               <a:t> and the encryption (public) key.</a:t>
             </a:r>
+            <a:endParaRPr lang="en-US" sz="2400" dirty="0"/>
           </a:p>
           <a:p>
             <a:r>
               <a:rPr lang="en-US" sz="2400" dirty="0"/>
               <a:t>Though private and public keys are related mathematically, it is not be feasible to calculate the private key from the public key. In fact, intelligent part of any public-key cryptosystem is in designing a relationship between two keys.</a:t>
             </a:r>
-          </a:p>
-          <a:p>
             <a:endParaRPr lang="en-US" sz="2400" dirty="0"/>
           </a:p>
+          <a:p>
+            <a:endParaRPr lang="en-US" sz="2400" dirty="0"/>
+          </a:p>
         </p:txBody>
       </p:sp>
     </p:spTree>
-    <p:extLst>
-      <p:ext uri="{BB962C8B-B14F-4D97-AF65-F5344CB8AC3E}">
-        <p14:creationId xmlns:p14="http://schemas.microsoft.com/office/powerpoint/2010/main" val="1441179136"/>
-      </p:ext>
-    </p:extLst>
   </p:cSld>
   <p:clrMapOvr>
     <a:masterClrMapping/>
@@ -8186,6 +8129,7 @@
               <a:rPr lang="en-US" dirty="0"/>
               <a:t>RSA</a:t>
             </a:r>
+            <a:endParaRPr lang="en-US" dirty="0"/>
           </a:p>
         </p:txBody>
       </p:sp>
@@ -8213,11 +8157,6 @@
         </p:txBody>
       </p:sp>
     </p:spTree>
-    <p:extLst>
-      <p:ext uri="{BB962C8B-B14F-4D97-AF65-F5344CB8AC3E}">
-        <p14:creationId xmlns:p14="http://schemas.microsoft.com/office/powerpoint/2010/main" val="4028093733"/>
-      </p:ext>
-    </p:extLst>
   </p:cSld>
   <p:clrMapOvr>
     <a:masterClrMapping/>
@@ -8261,6 +8200,7 @@
               <a:rPr lang="en-US" dirty="0"/>
               <a:t>Let’s do some mathematics</a:t>
             </a:r>
+            <a:endParaRPr lang="en-US" dirty="0"/>
           </a:p>
         </p:txBody>
       </p:sp>
@@ -8294,6 +8234,7 @@
               <a:rPr lang="en-US" sz="3600" dirty="0"/>
               <a:t>Prime numbers: 2, 3, 5, 7, 11, 13, … </a:t>
             </a:r>
+            <a:endParaRPr lang="en-US" sz="3600" dirty="0"/>
           </a:p>
           <a:p>
             <a:pPr lvl="2"/>
@@ -8301,6 +8242,7 @@
               <a:rPr lang="en-US" sz="2800" dirty="0"/>
               <a:t>X is a prime number if it can only be divided by X or 1 </a:t>
             </a:r>
+            <a:endParaRPr lang="en-US" sz="2800" dirty="0"/>
           </a:p>
           <a:p>
             <a:pPr lvl="3"/>
@@ -8308,6 +8250,7 @@
               <a:rPr lang="en-US" sz="2000" dirty="0"/>
               <a:t>9 and 10 are not prime numbers </a:t>
             </a:r>
+            <a:endParaRPr lang="en-US" sz="2000" dirty="0"/>
           </a:p>
           <a:p>
             <a:pPr lvl="1"/>
@@ -8315,6 +8258,7 @@
               <a:rPr lang="en-US" sz="3600" dirty="0"/>
               <a:t>Relatively prime numbers</a:t>
             </a:r>
+            <a:endParaRPr lang="en-US" sz="3600" dirty="0"/>
           </a:p>
           <a:p>
             <a:pPr lvl="2"/>
@@ -8322,6 +8266,7 @@
               <a:rPr lang="en-US" sz="2800" dirty="0"/>
               <a:t>X and Y are relatively prime if they do not have any common divider other than 1</a:t>
             </a:r>
+            <a:endParaRPr lang="en-US" sz="2800" dirty="0"/>
           </a:p>
           <a:p>
             <a:pPr lvl="3"/>
@@ -8329,15 +8274,11 @@
               <a:rPr lang="en-US" sz="2000" dirty="0"/>
               <a:t>9 and 10 are relatively prime</a:t>
             </a:r>
+            <a:endParaRPr lang="en-US" sz="2000" dirty="0"/>
           </a:p>
         </p:txBody>
       </p:sp>
     </p:spTree>
-    <p:extLst>
-      <p:ext uri="{BB962C8B-B14F-4D97-AF65-F5344CB8AC3E}">
-        <p14:creationId xmlns:p14="http://schemas.microsoft.com/office/powerpoint/2010/main" val="1388330581"/>
-      </p:ext>
-    </p:extLst>
   </p:cSld>
   <p:clrMapOvr>
     <a:masterClrMapping/>
@@ -8381,6 +8322,7 @@
               <a:rPr lang="en-US" dirty="0"/>
               <a:t>Some logic</a:t>
             </a:r>
+            <a:endParaRPr lang="en-US" dirty="0"/>
           </a:p>
         </p:txBody>
       </p:sp>
@@ -8421,6 +8363,7 @@
               <a:rPr lang="en-US" sz="2800" dirty="0"/>
               <a:t> function 𝜑(n)</a:t>
             </a:r>
+            <a:endParaRPr lang="en-US" sz="2800" dirty="0"/>
           </a:p>
           <a:p>
             <a:pPr lvl="1"/>
@@ -8428,6 +8371,7 @@
               <a:rPr lang="en-US" dirty="0"/>
               <a:t>Gives the number of numbers smaller than n and relatively prime to n </a:t>
             </a:r>
+            <a:endParaRPr lang="en-US" dirty="0"/>
           </a:p>
           <a:p>
             <a:pPr lvl="2"/>
@@ -8435,11 +8379,12 @@
               <a:rPr lang="en-US" dirty="0"/>
               <a:t>𝜑(4) = 2 </a:t>
             </a:r>
+            <a:endParaRPr lang="en-US" dirty="0"/>
           </a:p>
           <a:p>
             <a:pPr lvl="2"/>
             <a:r>
-              <a:rPr lang="mr-IN" dirty="0"/>
+              <a:rPr lang="en-US" dirty="0"/>
               <a:t>𝜑</a:t>
             </a:r>
             <a:r>
@@ -8447,7 +8392,7 @@
               <a:t>(</a:t>
             </a:r>
             <a:r>
-              <a:rPr lang="mr-IN" dirty="0"/>
+              <a:rPr lang="en-US" dirty="0"/>
               <a:t>5</a:t>
             </a:r>
             <a:r>
@@ -8455,14 +8400,15 @@
               <a:t>)=</a:t>
             </a:r>
             <a:r>
-              <a:rPr lang="mr-IN" dirty="0"/>
+              <a:rPr lang="en-US" dirty="0"/>
               <a:t> 4 </a:t>
             </a:r>
+            <a:endParaRPr lang="en-US" dirty="0"/>
           </a:p>
           <a:p>
             <a:pPr lvl="2"/>
             <a:r>
-              <a:rPr lang="mr-IN" dirty="0"/>
+              <a:rPr lang="en-US" dirty="0"/>
               <a:t>𝜑</a:t>
             </a:r>
             <a:r>
@@ -8470,7 +8416,7 @@
               <a:t>(</a:t>
             </a:r>
             <a:r>
-              <a:rPr lang="mr-IN" dirty="0"/>
+              <a:rPr lang="en-US" dirty="0"/>
               <a:t>6</a:t>
             </a:r>
             <a:r>
@@ -8478,9 +8424,10 @@
               <a:t>)=</a:t>
             </a:r>
             <a:r>
-              <a:rPr lang="mr-IN" dirty="0"/>
+              <a:rPr lang="en-US" dirty="0"/>
               <a:t> 2 </a:t>
             </a:r>
+            <a:endParaRPr lang="en-US" dirty="0"/>
           </a:p>
           <a:p>
             <a:pPr lvl="2"/>
@@ -8488,6 +8435,7 @@
               <a:rPr lang="is-IS" dirty="0"/>
               <a:t>𝜑(10) = 4 </a:t>
             </a:r>
+            <a:endParaRPr lang="is-IS" dirty="0"/>
           </a:p>
           <a:p>
             <a:pPr lvl="2"/>
@@ -8495,6 +8443,7 @@
               <a:rPr lang="is-IS" dirty="0"/>
               <a:t>𝜑(143) = ? </a:t>
             </a:r>
+            <a:endParaRPr lang="is-IS" dirty="0"/>
           </a:p>
           <a:p>
             <a:pPr lvl="1"/>
@@ -8502,21 +8451,18 @@
               <a:rPr lang="en-US" dirty="0"/>
               <a:t>If n is a prime number, then 𝜑(n) = ? </a:t>
             </a:r>
+            <a:endParaRPr lang="en-US" dirty="0"/>
           </a:p>
           <a:p>
             <a:r>
               <a:rPr lang="en-US" dirty="0"/>
               <a:t>If n is the product of two distinct prime numbers p and q, then 𝜑(n) = (p-1)(q-1)</a:t>
             </a:r>
+            <a:endParaRPr lang="en-US" dirty="0"/>
           </a:p>
         </p:txBody>
       </p:sp>
     </p:spTree>
-    <p:extLst>
-      <p:ext uri="{BB962C8B-B14F-4D97-AF65-F5344CB8AC3E}">
-        <p14:creationId xmlns:p14="http://schemas.microsoft.com/office/powerpoint/2010/main" val="3058377926"/>
-      </p:ext>
-    </p:extLst>
   </p:cSld>
   <p:clrMapOvr>
     <a:masterClrMapping/>
@@ -8567,7 +8513,7 @@
     </a:clrScheme>
     <a:fontScheme name="Droplet">
       <a:majorFont>
-        <a:latin typeface="Tw Cen MT" panose="020B0602020104020603"/>
+        <a:latin typeface="Tw Cen MT"/>
         <a:ea typeface=""/>
         <a:cs typeface=""/>
         <a:font script="Jpan" typeface="ＭＳ Ｐゴシック"/>
@@ -8602,7 +8548,7 @@
         <a:font script="Geor" typeface="Sylfaen"/>
       </a:majorFont>
       <a:minorFont>
-        <a:latin typeface="Tw Cen MT" panose="020B0602020104020603"/>
+        <a:latin typeface="Tw Cen MT"/>
         <a:ea typeface=""/>
         <a:cs typeface=""/>
         <a:font script="Jpan" typeface="ＭＳ Ｐゴシック"/>
@@ -8778,11 +8724,9 @@
       </a:bgFillStyleLst>
     </a:fmtScheme>
   </a:themeElements>
-  <a:objectDefaults/>
-  <a:extraClrSchemeLst/>
   <a:extLst>
     <a:ext uri="{05A4C25C-085E-4340-85A3-A5531E510DB2}">
-      <thm15:themeFamily xmlns:thm15="http://schemas.microsoft.com/office/thememl/2012/main" name="Droplet" id="{8984A317-299A-4E50-B45D-BFC9EDE2337A}" vid="{A633B6A3-9E7F-4C10-9C98-2517A3134361}"/>
+      <thm15:themeFamily xmlns:thm15="http://schemas.microsoft.com/office/thememl/2012/main" name="Office Theme" id="{62F939B6-93AF-4DB8-9C6B-D6C7DFDC589F}" vid="{4A3C46E8-61CC-4603-A589-7422A47A8E4A}"/>
     </a:ext>
   </a:extLst>
 </a:theme>
@@ -8831,7 +8775,7 @@
     </a:clrScheme>
     <a:fontScheme name="Office">
       <a:majorFont>
-        <a:latin typeface="Calibri Light" panose="020F0302020204030204"/>
+        <a:latin typeface="Calibri Light"/>
         <a:ea typeface=""/>
         <a:cs typeface=""/>
         <a:font script="Jpan" typeface="游ゴシック Light"/>
@@ -8864,26 +8808,9 @@
         <a:font script="Viet" typeface="Times New Roman"/>
         <a:font script="Uigh" typeface="Microsoft Uighur"/>
         <a:font script="Geor" typeface="Sylfaen"/>
-        <a:font script="Armn" typeface="Arial"/>
-        <a:font script="Bugi" typeface="Leelawadee UI"/>
-        <a:font script="Bopo" typeface="Microsoft JhengHei"/>
-        <a:font script="Java" typeface="Javanese Text"/>
-        <a:font script="Lisu" typeface="Segoe UI"/>
-        <a:font script="Mymr" typeface="Myanmar Text"/>
-        <a:font script="Nkoo" typeface="Ebrima"/>
-        <a:font script="Olck" typeface="Nirmala UI"/>
-        <a:font script="Osma" typeface="Ebrima"/>
-        <a:font script="Phag" typeface="Phagspa"/>
-        <a:font script="Syrn" typeface="Estrangelo Edessa"/>
-        <a:font script="Syrj" typeface="Estrangelo Edessa"/>
-        <a:font script="Syre" typeface="Estrangelo Edessa"/>
-        <a:font script="Sora" typeface="Nirmala UI"/>
-        <a:font script="Tale" typeface="Microsoft Tai Le"/>
-        <a:font script="Talu" typeface="Microsoft New Tai Lue"/>
-        <a:font script="Tfng" typeface="Ebrima"/>
       </a:majorFont>
       <a:minorFont>
-        <a:latin typeface="Calibri" panose="020F0502020204030204"/>
+        <a:latin typeface="Calibri"/>
         <a:ea typeface=""/>
         <a:cs typeface=""/>
         <a:font script="Jpan" typeface="游ゴシック"/>
@@ -8916,23 +8843,6 @@
         <a:font script="Viet" typeface="Arial"/>
         <a:font script="Uigh" typeface="Microsoft Uighur"/>
         <a:font script="Geor" typeface="Sylfaen"/>
-        <a:font script="Armn" typeface="Arial"/>
-        <a:font script="Bugi" typeface="Leelawadee UI"/>
-        <a:font script="Bopo" typeface="Microsoft JhengHei"/>
-        <a:font script="Java" typeface="Javanese Text"/>
-        <a:font script="Lisu" typeface="Segoe UI"/>
-        <a:font script="Mymr" typeface="Myanmar Text"/>
-        <a:font script="Nkoo" typeface="Ebrima"/>
-        <a:font script="Olck" typeface="Nirmala UI"/>
-        <a:font script="Osma" typeface="Ebrima"/>
-        <a:font script="Phag" typeface="Phagspa"/>
-        <a:font script="Syrn" typeface="Estrangelo Edessa"/>
-        <a:font script="Syrj" typeface="Estrangelo Edessa"/>
-        <a:font script="Syre" typeface="Estrangelo Edessa"/>
-        <a:font script="Sora" typeface="Nirmala UI"/>
-        <a:font script="Tale" typeface="Microsoft Tai Le"/>
-        <a:font script="Talu" typeface="Microsoft New Tai Lue"/>
-        <a:font script="Tfng" typeface="Ebrima"/>
       </a:minorFont>
     </a:fontScheme>
     <a:fmtScheme name="Office">
@@ -9073,8 +8983,6 @@
       </a:bgFillStyleLst>
     </a:fmtScheme>
   </a:themeElements>
-  <a:objectDefaults/>
-  <a:extraClrSchemeLst/>
   <a:extLst>
     <a:ext uri="{05A4C25C-085E-4340-85A3-A5531E510DB2}">
       <thm15:themeFamily xmlns:thm15="http://schemas.microsoft.com/office/thememl/2012/main" name="Office Theme" id="{62F939B6-93AF-4DB8-9C6B-D6C7DFDC589F}" vid="{4A3C46E8-61CC-4603-A589-7422A47A8E4A}"/>
